--- a/Final Project Presentation.pptx
+++ b/Final Project Presentation.pptx
@@ -5,38 +5,40 @@
     <p:sldMasterId id="2147483659" r:id="rId1"/>
   </p:sldMasterIdLst>
   <p:notesMasterIdLst>
-    <p:notesMasterId r:id="rId16"/>
+    <p:notesMasterId r:id="rId18"/>
   </p:notesMasterIdLst>
   <p:sldIdLst>
     <p:sldId id="256" r:id="rId2"/>
     <p:sldId id="257" r:id="rId3"/>
     <p:sldId id="258" r:id="rId4"/>
-    <p:sldId id="259" r:id="rId5"/>
-    <p:sldId id="265" r:id="rId6"/>
-    <p:sldId id="267" r:id="rId7"/>
-    <p:sldId id="268" r:id="rId8"/>
-    <p:sldId id="269" r:id="rId9"/>
-    <p:sldId id="260" r:id="rId10"/>
-    <p:sldId id="270" r:id="rId11"/>
-    <p:sldId id="261" r:id="rId12"/>
-    <p:sldId id="262" r:id="rId13"/>
-    <p:sldId id="263" r:id="rId14"/>
-    <p:sldId id="264" r:id="rId15"/>
+    <p:sldId id="272" r:id="rId5"/>
+    <p:sldId id="259" r:id="rId6"/>
+    <p:sldId id="265" r:id="rId7"/>
+    <p:sldId id="267" r:id="rId8"/>
+    <p:sldId id="268" r:id="rId9"/>
+    <p:sldId id="269" r:id="rId10"/>
+    <p:sldId id="260" r:id="rId11"/>
+    <p:sldId id="270" r:id="rId12"/>
+    <p:sldId id="261" r:id="rId13"/>
+    <p:sldId id="271" r:id="rId14"/>
+    <p:sldId id="262" r:id="rId15"/>
+    <p:sldId id="263" r:id="rId16"/>
+    <p:sldId id="264" r:id="rId17"/>
   </p:sldIdLst>
   <p:sldSz cx="9144000" cy="5143500" type="screen16x9"/>
   <p:notesSz cx="6858000" cy="9144000"/>
   <p:embeddedFontLst>
     <p:embeddedFont>
       <p:font typeface="Maven Pro" panose="020B0604020202020204" charset="0"/>
-      <p:regular r:id="rId17"/>
-      <p:bold r:id="rId18"/>
+      <p:regular r:id="rId19"/>
+      <p:bold r:id="rId20"/>
     </p:embeddedFont>
     <p:embeddedFont>
       <p:font typeface="Nunito" pitchFamily="2" charset="0"/>
-      <p:regular r:id="rId19"/>
-      <p:bold r:id="rId20"/>
-      <p:italic r:id="rId21"/>
-      <p:boldItalic r:id="rId22"/>
+      <p:regular r:id="rId21"/>
+      <p:bold r:id="rId22"/>
+      <p:italic r:id="rId23"/>
+      <p:boldItalic r:id="rId24"/>
     </p:embeddedFont>
   </p:embeddedFontLst>
   <p:defaultTextStyle>
@@ -1178,7 +1180,7 @@
         </p:nvSpPr>
         <p:spPr>
           <a:xfrm>
-            <a:off x="381300" y="685800"/>
+            <a:off x="381000" y="685800"/>
             <a:ext cx="6096000" cy="3429000"/>
           </a:xfrm>
           <a:custGeom>
@@ -1282,7 +1284,7 @@
         </p:nvSpPr>
         <p:spPr>
           <a:xfrm>
-            <a:off x="381300" y="685800"/>
+            <a:off x="381000" y="685800"/>
             <a:ext cx="6096000" cy="3429000"/>
           </a:xfrm>
           <a:custGeom>
@@ -16270,6 +16272,171 @@
             </a:pPr>
             <a:r>
               <a:rPr lang="en-US" dirty="0"/>
+              <a:t>Split data shapes</a:t>
+            </a:r>
+          </a:p>
+          <a:p>
+            <a:pPr marL="742950" lvl="1" indent="-285750">
+              <a:spcAft>
+                <a:spcPts val="1200"/>
+              </a:spcAft>
+            </a:pPr>
+            <a:r>
+              <a:rPr lang="fr-FR" dirty="0" err="1"/>
+              <a:t>X_train</a:t>
+            </a:r>
+            <a:r>
+              <a:rPr lang="fr-FR" dirty="0"/>
+              <a:t> (1102, 53)</a:t>
+            </a:r>
+          </a:p>
+          <a:p>
+            <a:pPr marL="742950" lvl="1" indent="-285750">
+              <a:spcAft>
+                <a:spcPts val="1200"/>
+              </a:spcAft>
+            </a:pPr>
+            <a:r>
+              <a:rPr lang="fr-FR" dirty="0" err="1"/>
+              <a:t>X_test</a:t>
+            </a:r>
+            <a:r>
+              <a:rPr lang="fr-FR" dirty="0"/>
+              <a:t> (368, 53)</a:t>
+            </a:r>
+          </a:p>
+          <a:p>
+            <a:pPr marL="742950" lvl="1" indent="-285750">
+              <a:spcAft>
+                <a:spcPts val="1200"/>
+              </a:spcAft>
+            </a:pPr>
+            <a:r>
+              <a:rPr lang="fr-FR" dirty="0" err="1"/>
+              <a:t>y_train</a:t>
+            </a:r>
+            <a:r>
+              <a:rPr lang="fr-FR" dirty="0"/>
+              <a:t> (1102,)</a:t>
+            </a:r>
+          </a:p>
+          <a:p>
+            <a:pPr marL="742950" lvl="1" indent="-285750">
+              <a:spcAft>
+                <a:spcPts val="1200"/>
+              </a:spcAft>
+            </a:pPr>
+            <a:r>
+              <a:rPr lang="fr-FR" dirty="0" err="1"/>
+              <a:t>y_test</a:t>
+            </a:r>
+            <a:r>
+              <a:rPr lang="fr-FR" dirty="0"/>
+              <a:t> (368,)</a:t>
+            </a:r>
+            <a:endParaRPr dirty="0"/>
+          </a:p>
+        </p:txBody>
+      </p:sp>
+    </p:spTree>
+  </p:cSld>
+  <p:clrMapOvr>
+    <a:masterClrMapping/>
+  </p:clrMapOvr>
+</p:sld>
+</file>
+
+<file path=ppt/slides/slide11.xml><?xml version="1.0" encoding="utf-8"?>
+<p:sld xmlns:a="http://schemas.openxmlformats.org/drawingml/2006/main" xmlns:r="http://schemas.openxmlformats.org/officeDocument/2006/relationships" xmlns:p="http://schemas.openxmlformats.org/presentationml/2006/main">
+  <p:cSld>
+    <p:spTree>
+      <p:nvGrpSpPr>
+        <p:cNvPr id="1" name="Shape 300"/>
+        <p:cNvGrpSpPr/>
+        <p:nvPr/>
+      </p:nvGrpSpPr>
+      <p:grpSpPr>
+        <a:xfrm>
+          <a:off x="0" y="0"/>
+          <a:ext cx="0" cy="0"/>
+          <a:chOff x="0" y="0"/>
+          <a:chExt cx="0" cy="0"/>
+        </a:xfrm>
+      </p:grpSpPr>
+      <p:sp>
+        <p:nvSpPr>
+          <p:cNvPr id="301" name="Google Shape;301;p17"/>
+          <p:cNvSpPr txBox="1">
+            <a:spLocks noGrp="1"/>
+          </p:cNvSpPr>
+          <p:nvPr>
+            <p:ph type="title"/>
+          </p:nvPr>
+        </p:nvSpPr>
+        <p:spPr>
+          <a:xfrm>
+            <a:off x="1303800" y="598575"/>
+            <a:ext cx="7030500" cy="999300"/>
+          </a:xfrm>
+          <a:prstGeom prst="rect">
+            <a:avLst/>
+          </a:prstGeom>
+        </p:spPr>
+        <p:txBody>
+          <a:bodyPr spcFirstLastPara="1" wrap="square" lIns="91425" tIns="91425" rIns="91425" bIns="91425" anchor="t" anchorCtr="0">
+            <a:normAutofit/>
+          </a:bodyPr>
+          <a:lstStyle/>
+          <a:p>
+            <a:pPr marL="0" lvl="0" indent="0" algn="l" rtl="0">
+              <a:spcBef>
+                <a:spcPts val="0"/>
+              </a:spcBef>
+              <a:spcAft>
+                <a:spcPts val="0"/>
+              </a:spcAft>
+              <a:buNone/>
+            </a:pPr>
+            <a:r>
+              <a:rPr lang="en"/>
+              <a:t>Data Processing</a:t>
+            </a:r>
+            <a:endParaRPr/>
+          </a:p>
+        </p:txBody>
+      </p:sp>
+      <p:sp>
+        <p:nvSpPr>
+          <p:cNvPr id="302" name="Google Shape;302;p17"/>
+          <p:cNvSpPr txBox="1">
+            <a:spLocks noGrp="1"/>
+          </p:cNvSpPr>
+          <p:nvPr>
+            <p:ph type="body" idx="1"/>
+          </p:nvPr>
+        </p:nvSpPr>
+        <p:spPr>
+          <a:xfrm>
+            <a:off x="1303800" y="1990050"/>
+            <a:ext cx="7030500" cy="2541600"/>
+          </a:xfrm>
+          <a:prstGeom prst="rect">
+            <a:avLst/>
+          </a:prstGeom>
+        </p:spPr>
+        <p:txBody>
+          <a:bodyPr spcFirstLastPara="1" wrap="square" lIns="91425" tIns="91425" rIns="91425" bIns="91425" anchor="t" anchorCtr="0">
+            <a:normAutofit/>
+          </a:bodyPr>
+          <a:lstStyle/>
+          <a:p>
+            <a:pPr marL="285750" indent="-285750">
+              <a:spcAft>
+                <a:spcPts val="1200"/>
+              </a:spcAft>
+            </a:pPr>
+            <a:r>
+              <a:rPr lang="en-US" dirty="0"/>
               <a:t>Scaling: </a:t>
             </a:r>
             <a:r>
@@ -16293,7 +16460,7 @@
 </p:sld>
 </file>
 
-<file path=ppt/slides/slide11.xml><?xml version="1.0" encoding="utf-8"?>
+<file path=ppt/slides/slide12.xml><?xml version="1.0" encoding="utf-8"?>
 <p:sld xmlns:a="http://schemas.openxmlformats.org/drawingml/2006/main" xmlns:r="http://schemas.openxmlformats.org/officeDocument/2006/relationships" xmlns:p="http://schemas.openxmlformats.org/presentationml/2006/main">
   <p:cSld>
     <p:spTree>
@@ -16789,7 +16956,93 @@
 </p:sld>
 </file>
 
-<file path=ppt/slides/slide12.xml><?xml version="1.0" encoding="utf-8"?>
+<file path=ppt/slides/slide13.xml><?xml version="1.0" encoding="utf-8"?>
+<p:sld xmlns:a="http://schemas.openxmlformats.org/drawingml/2006/main" xmlns:r="http://schemas.openxmlformats.org/officeDocument/2006/relationships" xmlns:p="http://schemas.openxmlformats.org/presentationml/2006/main">
+  <p:cSld>
+    <p:spTree>
+      <p:nvGrpSpPr>
+        <p:cNvPr id="1" name=""/>
+        <p:cNvGrpSpPr/>
+        <p:nvPr/>
+      </p:nvGrpSpPr>
+      <p:grpSpPr>
+        <a:xfrm>
+          <a:off x="0" y="0"/>
+          <a:ext cx="0" cy="0"/>
+          <a:chOff x="0" y="0"/>
+          <a:chExt cx="0" cy="0"/>
+        </a:xfrm>
+      </p:grpSpPr>
+      <p:sp>
+        <p:nvSpPr>
+          <p:cNvPr id="2" name="Title 1">
+            <a:extLst>
+              <a:ext uri="{FF2B5EF4-FFF2-40B4-BE49-F238E27FC236}">
+                <a16:creationId xmlns:a16="http://schemas.microsoft.com/office/drawing/2014/main" id="{B8D36673-3479-45EC-87E0-28D0B7ECE709}"/>
+              </a:ext>
+            </a:extLst>
+          </p:cNvPr>
+          <p:cNvSpPr>
+            <a:spLocks noGrp="1"/>
+          </p:cNvSpPr>
+          <p:nvPr>
+            <p:ph type="title"/>
+          </p:nvPr>
+        </p:nvSpPr>
+        <p:spPr/>
+        <p:txBody>
+          <a:bodyPr/>
+          <a:lstStyle/>
+          <a:p>
+            <a:r>
+              <a:rPr lang="en-US" dirty="0"/>
+              <a:t>Preliminary Feature Selection</a:t>
+            </a:r>
+          </a:p>
+        </p:txBody>
+      </p:sp>
+      <p:sp>
+        <p:nvSpPr>
+          <p:cNvPr id="3" name="Text Placeholder 2">
+            <a:extLst>
+              <a:ext uri="{FF2B5EF4-FFF2-40B4-BE49-F238E27FC236}">
+                <a16:creationId xmlns:a16="http://schemas.microsoft.com/office/drawing/2014/main" id="{827E25CA-4FF6-4BF4-A398-2DA766940524}"/>
+              </a:ext>
+            </a:extLst>
+          </p:cNvPr>
+          <p:cNvSpPr>
+            <a:spLocks noGrp="1"/>
+          </p:cNvSpPr>
+          <p:nvPr>
+            <p:ph type="body" idx="1"/>
+          </p:nvPr>
+        </p:nvSpPr>
+        <p:spPr/>
+        <p:txBody>
+          <a:bodyPr/>
+          <a:lstStyle/>
+          <a:p>
+            <a:r>
+              <a:rPr lang="en-US" dirty="0"/>
+              <a:t>Feature importances</a:t>
+            </a:r>
+          </a:p>
+        </p:txBody>
+      </p:sp>
+    </p:spTree>
+    <p:extLst>
+      <p:ext uri="{BB962C8B-B14F-4D97-AF65-F5344CB8AC3E}">
+        <p14:creationId xmlns:p14="http://schemas.microsoft.com/office/powerpoint/2010/main" val="3692123054"/>
+      </p:ext>
+    </p:extLst>
+  </p:cSld>
+  <p:clrMapOvr>
+    <a:masterClrMapping/>
+  </p:clrMapOvr>
+</p:sld>
+</file>
+
+<file path=ppt/slides/slide14.xml><?xml version="1.0" encoding="utf-8"?>
 <p:sld xmlns:a="http://schemas.openxmlformats.org/drawingml/2006/main" xmlns:r="http://schemas.openxmlformats.org/officeDocument/2006/relationships" xmlns:p="http://schemas.openxmlformats.org/presentationml/2006/main">
   <p:cSld>
     <p:spTree>
@@ -16882,7 +17135,7 @@
               </a:spcAft>
               <a:buNone/>
             </a:pPr>
-            <a:endParaRPr/>
+            <a:endParaRPr dirty="0"/>
           </a:p>
         </p:txBody>
       </p:sp>
@@ -16894,7 +17147,7 @@
 </p:sld>
 </file>
 
-<file path=ppt/slides/slide13.xml><?xml version="1.0" encoding="utf-8"?>
+<file path=ppt/slides/slide15.xml><?xml version="1.0" encoding="utf-8"?>
 <p:sld xmlns:a="http://schemas.openxmlformats.org/drawingml/2006/main" xmlns:r="http://schemas.openxmlformats.org/officeDocument/2006/relationships" xmlns:p="http://schemas.openxmlformats.org/presentationml/2006/main">
   <p:cSld>
     <p:spTree>
@@ -16987,7 +17240,11 @@
               </a:spcAft>
               <a:buNone/>
             </a:pPr>
-            <a:endParaRPr/>
+            <a:r>
+              <a:rPr lang="en-US" dirty="0"/>
+              <a:t>https://github.com/lykkelig/Group6_Final_Project/tree/Erik_branch/Web</a:t>
+            </a:r>
+            <a:endParaRPr dirty="0"/>
           </a:p>
         </p:txBody>
       </p:sp>
@@ -16999,7 +17256,7 @@
 </p:sld>
 </file>
 
-<file path=ppt/slides/slide14.xml><?xml version="1.0" encoding="utf-8"?>
+<file path=ppt/slides/slide16.xml><?xml version="1.0" encoding="utf-8"?>
 <p:sld xmlns:a="http://schemas.openxmlformats.org/drawingml/2006/main" xmlns:r="http://schemas.openxmlformats.org/officeDocument/2006/relationships" xmlns:p="http://schemas.openxmlformats.org/presentationml/2006/main">
   <p:cSld>
     <p:spTree>
@@ -17092,6 +17349,10 @@
               </a:spcAft>
               <a:buNone/>
             </a:pPr>
+            <a:r>
+              <a:rPr lang="en-US"/>
+              <a:t>https://public.tableau.com/app/profile/erik.svoboda/viz/EmployeeAttrition_16528352408970/FinalProject?publish=yes</a:t>
+            </a:r>
             <a:endParaRPr/>
           </a:p>
         </p:txBody>
@@ -17441,6 +17702,28 @@
               <a:rPr lang="en" dirty="0"/>
               <a:t>Tableau</a:t>
             </a:r>
+          </a:p>
+          <a:p>
+            <a:pPr>
+              <a:buFont typeface="Nunito"/>
+              <a:buChar char="-"/>
+            </a:pPr>
+            <a:r>
+              <a:rPr lang="en" dirty="0"/>
+              <a:t>PostgreSQL</a:t>
+            </a:r>
+          </a:p>
+          <a:p>
+            <a:pPr marL="457200" lvl="0" indent="-311150" algn="l" rtl="0">
+              <a:spcBef>
+                <a:spcPts val="0"/>
+              </a:spcBef>
+              <a:spcAft>
+                <a:spcPts val="0"/>
+              </a:spcAft>
+              <a:buSzPts val="1300"/>
+              <a:buChar char="-"/>
+            </a:pPr>
             <a:endParaRPr dirty="0"/>
           </a:p>
           <a:p>
@@ -17478,6 +17761,89 @@
 </file>
 
 <file path=ppt/slides/slide4.xml><?xml version="1.0" encoding="utf-8"?>
+<p:sld xmlns:a="http://schemas.openxmlformats.org/drawingml/2006/main" xmlns:r="http://schemas.openxmlformats.org/officeDocument/2006/relationships" xmlns:p="http://schemas.openxmlformats.org/presentationml/2006/main">
+  <p:cSld>
+    <p:spTree>
+      <p:nvGrpSpPr>
+        <p:cNvPr id="1" name=""/>
+        <p:cNvGrpSpPr/>
+        <p:nvPr/>
+      </p:nvGrpSpPr>
+      <p:grpSpPr>
+        <a:xfrm>
+          <a:off x="0" y="0"/>
+          <a:ext cx="0" cy="0"/>
+          <a:chOff x="0" y="0"/>
+          <a:chExt cx="0" cy="0"/>
+        </a:xfrm>
+      </p:grpSpPr>
+      <p:sp>
+        <p:nvSpPr>
+          <p:cNvPr id="2" name="Title 1">
+            <a:extLst>
+              <a:ext uri="{FF2B5EF4-FFF2-40B4-BE49-F238E27FC236}">
+                <a16:creationId xmlns:a16="http://schemas.microsoft.com/office/drawing/2014/main" id="{F710C709-3188-41D8-9B82-AE8C88FC76B3}"/>
+              </a:ext>
+            </a:extLst>
+          </p:cNvPr>
+          <p:cNvSpPr>
+            <a:spLocks noGrp="1"/>
+          </p:cNvSpPr>
+          <p:nvPr>
+            <p:ph type="title"/>
+          </p:nvPr>
+        </p:nvSpPr>
+        <p:spPr/>
+        <p:txBody>
+          <a:bodyPr/>
+          <a:lstStyle/>
+          <a:p>
+            <a:r>
+              <a:rPr lang="en-US" dirty="0"/>
+              <a:t>ERD Diagram</a:t>
+            </a:r>
+          </a:p>
+        </p:txBody>
+      </p:sp>
+      <p:sp>
+        <p:nvSpPr>
+          <p:cNvPr id="3" name="Text Placeholder 2">
+            <a:extLst>
+              <a:ext uri="{FF2B5EF4-FFF2-40B4-BE49-F238E27FC236}">
+                <a16:creationId xmlns:a16="http://schemas.microsoft.com/office/drawing/2014/main" id="{49B0E3CD-5ACB-4ECC-BBE3-D5D50FEA8E15}"/>
+              </a:ext>
+            </a:extLst>
+          </p:cNvPr>
+          <p:cNvSpPr>
+            <a:spLocks noGrp="1"/>
+          </p:cNvSpPr>
+          <p:nvPr>
+            <p:ph type="body" idx="1"/>
+          </p:nvPr>
+        </p:nvSpPr>
+        <p:spPr/>
+        <p:txBody>
+          <a:bodyPr/>
+          <a:lstStyle/>
+          <a:p>
+            <a:endParaRPr lang="en-US"/>
+          </a:p>
+        </p:txBody>
+      </p:sp>
+    </p:spTree>
+    <p:extLst>
+      <p:ext uri="{BB962C8B-B14F-4D97-AF65-F5344CB8AC3E}">
+        <p14:creationId xmlns:p14="http://schemas.microsoft.com/office/powerpoint/2010/main" val="3909213522"/>
+      </p:ext>
+    </p:extLst>
+  </p:cSld>
+  <p:clrMapOvr>
+    <a:masterClrMapping/>
+  </p:clrMapOvr>
+</p:sld>
+</file>
+
+<file path=ppt/slides/slide5.xml><?xml version="1.0" encoding="utf-8"?>
 <p:sld xmlns:a="http://schemas.openxmlformats.org/drawingml/2006/main" xmlns:r="http://schemas.openxmlformats.org/officeDocument/2006/relationships" xmlns:p="http://schemas.openxmlformats.org/presentationml/2006/main">
   <p:cSld>
     <p:spTree>
@@ -17614,7 +17980,7 @@
 </p:sld>
 </file>
 
-<file path=ppt/slides/slide5.xml><?xml version="1.0" encoding="utf-8"?>
+<file path=ppt/slides/slide6.xml><?xml version="1.0" encoding="utf-8"?>
 <p:sld xmlns:a="http://schemas.openxmlformats.org/drawingml/2006/main" xmlns:r="http://schemas.openxmlformats.org/officeDocument/2006/relationships" xmlns:p="http://schemas.openxmlformats.org/presentationml/2006/main">
   <p:cSld>
     <p:spTree>
@@ -17758,7 +18124,7 @@
 </p:sld>
 </file>
 
-<file path=ppt/slides/slide6.xml><?xml version="1.0" encoding="utf-8"?>
+<file path=ppt/slides/slide7.xml><?xml version="1.0" encoding="utf-8"?>
 <p:sld xmlns:a="http://schemas.openxmlformats.org/drawingml/2006/main" xmlns:r="http://schemas.openxmlformats.org/officeDocument/2006/relationships" xmlns:p="http://schemas.openxmlformats.org/presentationml/2006/main">
   <p:cSld>
     <p:spTree>
@@ -17909,7 +18275,7 @@
 </p:sld>
 </file>
 
-<file path=ppt/slides/slide7.xml><?xml version="1.0" encoding="utf-8"?>
+<file path=ppt/slides/slide8.xml><?xml version="1.0" encoding="utf-8"?>
 <p:sld xmlns:a="http://schemas.openxmlformats.org/drawingml/2006/main" xmlns:r="http://schemas.openxmlformats.org/officeDocument/2006/relationships" xmlns:p="http://schemas.openxmlformats.org/presentationml/2006/main">
   <p:cSld>
     <p:spTree>
@@ -18060,185 +18426,6 @@
 </p:sld>
 </file>
 
-<file path=ppt/slides/slide8.xml><?xml version="1.0" encoding="utf-8"?>
-<p:sld xmlns:a="http://schemas.openxmlformats.org/drawingml/2006/main" xmlns:r="http://schemas.openxmlformats.org/officeDocument/2006/relationships" xmlns:p="http://schemas.openxmlformats.org/presentationml/2006/main">
-  <p:cSld>
-    <p:spTree>
-      <p:nvGrpSpPr>
-        <p:cNvPr id="1" name="Shape 300"/>
-        <p:cNvGrpSpPr/>
-        <p:nvPr/>
-      </p:nvGrpSpPr>
-      <p:grpSpPr>
-        <a:xfrm>
-          <a:off x="0" y="0"/>
-          <a:ext cx="0" cy="0"/>
-          <a:chOff x="0" y="0"/>
-          <a:chExt cx="0" cy="0"/>
-        </a:xfrm>
-      </p:grpSpPr>
-      <p:sp>
-        <p:nvSpPr>
-          <p:cNvPr id="301" name="Google Shape;301;p17"/>
-          <p:cNvSpPr txBox="1">
-            <a:spLocks noGrp="1"/>
-          </p:cNvSpPr>
-          <p:nvPr>
-            <p:ph type="title"/>
-          </p:nvPr>
-        </p:nvSpPr>
-        <p:spPr>
-          <a:xfrm>
-            <a:off x="1303800" y="598575"/>
-            <a:ext cx="7030500" cy="999300"/>
-          </a:xfrm>
-          <a:prstGeom prst="rect">
-            <a:avLst/>
-          </a:prstGeom>
-        </p:spPr>
-        <p:txBody>
-          <a:bodyPr spcFirstLastPara="1" wrap="square" lIns="91425" tIns="91425" rIns="91425" bIns="91425" anchor="t" anchorCtr="0">
-            <a:normAutofit/>
-          </a:bodyPr>
-          <a:lstStyle/>
-          <a:p>
-            <a:pPr marL="0" lvl="0" indent="0" algn="l" rtl="0">
-              <a:spcBef>
-                <a:spcPts val="0"/>
-              </a:spcBef>
-              <a:spcAft>
-                <a:spcPts val="0"/>
-              </a:spcAft>
-              <a:buNone/>
-            </a:pPr>
-            <a:r>
-              <a:rPr lang="en"/>
-              <a:t>Data Processing</a:t>
-            </a:r>
-            <a:endParaRPr/>
-          </a:p>
-        </p:txBody>
-      </p:sp>
-      <p:sp>
-        <p:nvSpPr>
-          <p:cNvPr id="302" name="Google Shape;302;p17"/>
-          <p:cNvSpPr txBox="1">
-            <a:spLocks noGrp="1"/>
-          </p:cNvSpPr>
-          <p:nvPr>
-            <p:ph type="body" idx="1"/>
-          </p:nvPr>
-        </p:nvSpPr>
-        <p:spPr>
-          <a:xfrm>
-            <a:off x="1303800" y="1990050"/>
-            <a:ext cx="7030500" cy="2541600"/>
-          </a:xfrm>
-          <a:prstGeom prst="rect">
-            <a:avLst/>
-          </a:prstGeom>
-        </p:spPr>
-        <p:txBody>
-          <a:bodyPr spcFirstLastPara="1" wrap="square" lIns="91425" tIns="91425" rIns="91425" bIns="91425" anchor="t" anchorCtr="0">
-            <a:normAutofit/>
-          </a:bodyPr>
-          <a:lstStyle/>
-          <a:p>
-            <a:pPr marL="285750" indent="-285750">
-              <a:spcAft>
-                <a:spcPts val="1200"/>
-              </a:spcAft>
-            </a:pPr>
-            <a:r>
-              <a:rPr lang="en-US" dirty="0"/>
-              <a:t>Transform categorical columns using </a:t>
-            </a:r>
-            <a:r>
-              <a:rPr lang="en-US" dirty="0" err="1"/>
-              <a:t>OneHotEncoder</a:t>
-            </a:r>
-            <a:endParaRPr lang="en-US" dirty="0"/>
-          </a:p>
-          <a:p>
-            <a:pPr marL="742950" lvl="1" indent="-285750">
-              <a:spcAft>
-                <a:spcPts val="1200"/>
-              </a:spcAft>
-            </a:pPr>
-            <a:r>
-              <a:rPr lang="en-US" dirty="0"/>
-              <a:t>8 of 33 columns transformed</a:t>
-            </a:r>
-          </a:p>
-          <a:p>
-            <a:pPr marL="285750" indent="-285750">
-              <a:spcAft>
-                <a:spcPts val="1200"/>
-              </a:spcAft>
-            </a:pPr>
-            <a:r>
-              <a:rPr lang="en-US" dirty="0"/>
-              <a:t>Split data into feature &amp; target</a:t>
-            </a:r>
-          </a:p>
-          <a:p>
-            <a:pPr marL="742950" lvl="1" indent="-285750">
-              <a:spcAft>
-                <a:spcPts val="1200"/>
-              </a:spcAft>
-            </a:pPr>
-            <a:r>
-              <a:rPr lang="en-US" dirty="0"/>
-              <a:t>Target: ‘</a:t>
-            </a:r>
-            <a:r>
-              <a:rPr lang="en-US" dirty="0" err="1"/>
-              <a:t>Attrition_Yes</a:t>
-            </a:r>
-            <a:r>
-              <a:rPr lang="en-US" dirty="0"/>
-              <a:t>’</a:t>
-            </a:r>
-          </a:p>
-          <a:p>
-            <a:pPr marL="742950" lvl="1" indent="-285750">
-              <a:spcAft>
-                <a:spcPts val="1200"/>
-              </a:spcAft>
-            </a:pPr>
-            <a:r>
-              <a:rPr lang="en-US" dirty="0"/>
-              <a:t>Split using </a:t>
-            </a:r>
-            <a:r>
-              <a:rPr lang="en-US" dirty="0" err="1"/>
-              <a:t>train_test_split</a:t>
-            </a:r>
-            <a:endParaRPr lang="en-US" dirty="0"/>
-          </a:p>
-          <a:p>
-            <a:pPr marL="742950" lvl="1" indent="-285750">
-              <a:spcAft>
-                <a:spcPts val="1200"/>
-              </a:spcAft>
-            </a:pPr>
-            <a:endParaRPr dirty="0"/>
-          </a:p>
-        </p:txBody>
-      </p:sp>
-    </p:spTree>
-    <p:extLst>
-      <p:ext uri="{BB962C8B-B14F-4D97-AF65-F5344CB8AC3E}">
-        <p14:creationId xmlns:p14="http://schemas.microsoft.com/office/powerpoint/2010/main" val="1012585142"/>
-      </p:ext>
-    </p:extLst>
-  </p:cSld>
-  <p:clrMapOvr>
-    <a:masterClrMapping/>
-  </p:clrMapOvr>
-</p:sld>
-</file>
-
 <file path=ppt/slides/slide9.xml><?xml version="1.0" encoding="utf-8"?>
 <p:sld xmlns:a="http://schemas.openxmlformats.org/drawingml/2006/main" xmlns:r="http://schemas.openxmlformats.org/officeDocument/2006/relationships" xmlns:p="http://schemas.openxmlformats.org/presentationml/2006/main">
   <p:cSld>
@@ -18330,7 +18517,34 @@
             </a:pPr>
             <a:r>
               <a:rPr lang="en-US" dirty="0"/>
-              <a:t>Split data shapes</a:t>
+              <a:t>Transform categorical columns using </a:t>
+            </a:r>
+            <a:r>
+              <a:rPr lang="en-US" dirty="0" err="1"/>
+              <a:t>OneHotEncoder</a:t>
+            </a:r>
+            <a:endParaRPr lang="en-US" dirty="0"/>
+          </a:p>
+          <a:p>
+            <a:pPr marL="742950" lvl="1" indent="-285750">
+              <a:spcAft>
+                <a:spcPts val="1200"/>
+              </a:spcAft>
+            </a:pPr>
+            <a:r>
+              <a:rPr lang="en-US" dirty="0"/>
+              <a:t>8 of 33 columns transformed</a:t>
+            </a:r>
+          </a:p>
+          <a:p>
+            <a:pPr marL="285750" indent="-285750">
+              <a:spcAft>
+                <a:spcPts val="1200"/>
+              </a:spcAft>
+            </a:pPr>
+            <a:r>
+              <a:rPr lang="en-US" dirty="0"/>
+              <a:t>Split data into feature &amp; target</a:t>
             </a:r>
           </a:p>
           <a:p>
@@ -18340,12 +18554,16 @@
               </a:spcAft>
             </a:pPr>
             <a:r>
-              <a:rPr lang="fr-FR" dirty="0" err="1"/>
-              <a:t>X_train</a:t>
+              <a:rPr lang="en-US" dirty="0"/>
+              <a:t>Target: ‘</a:t>
             </a:r>
             <a:r>
-              <a:rPr lang="fr-FR" dirty="0"/>
-              <a:t> (1102, 53)</a:t>
+              <a:rPr lang="en-US" dirty="0" err="1"/>
+              <a:t>Attrition_Yes</a:t>
+            </a:r>
+            <a:r>
+              <a:rPr lang="en-US" dirty="0"/>
+              <a:t>’</a:t>
             </a:r>
           </a:p>
           <a:p>
@@ -18355,13 +18573,14 @@
               </a:spcAft>
             </a:pPr>
             <a:r>
-              <a:rPr lang="fr-FR" dirty="0" err="1"/>
-              <a:t>X_test</a:t>
+              <a:rPr lang="en-US" dirty="0"/>
+              <a:t>Split using </a:t>
             </a:r>
             <a:r>
-              <a:rPr lang="fr-FR" dirty="0"/>
-              <a:t> (368, 53)</a:t>
+              <a:rPr lang="en-US" dirty="0" err="1"/>
+              <a:t>train_test_split</a:t>
             </a:r>
+            <a:endParaRPr lang="en-US" dirty="0"/>
           </a:p>
           <a:p>
             <a:pPr marL="742950" lvl="1" indent="-285750">
@@ -18369,34 +18588,16 @@
                 <a:spcPts val="1200"/>
               </a:spcAft>
             </a:pPr>
-            <a:r>
-              <a:rPr lang="fr-FR" dirty="0" err="1"/>
-              <a:t>y_train</a:t>
-            </a:r>
-            <a:r>
-              <a:rPr lang="fr-FR" dirty="0"/>
-              <a:t> (1102,)</a:t>
-            </a:r>
-          </a:p>
-          <a:p>
-            <a:pPr marL="742950" lvl="1" indent="-285750">
-              <a:spcAft>
-                <a:spcPts val="1200"/>
-              </a:spcAft>
-            </a:pPr>
-            <a:r>
-              <a:rPr lang="fr-FR" dirty="0" err="1"/>
-              <a:t>y_test</a:t>
-            </a:r>
-            <a:r>
-              <a:rPr lang="fr-FR" dirty="0"/>
-              <a:t> (368,)</a:t>
-            </a:r>
             <a:endParaRPr dirty="0"/>
           </a:p>
         </p:txBody>
       </p:sp>
     </p:spTree>
+    <p:extLst>
+      <p:ext uri="{BB962C8B-B14F-4D97-AF65-F5344CB8AC3E}">
+        <p14:creationId xmlns:p14="http://schemas.microsoft.com/office/powerpoint/2010/main" val="1012585142"/>
+      </p:ext>
+    </p:extLst>
   </p:cSld>
   <p:clrMapOvr>
     <a:masterClrMapping/>
